--- a/FinalTask/Martyniuk_Oleksii_DevOps_online_Kyiv_2021Q2.pptx
+++ b/FinalTask/Martyniuk_Oleksii_DevOps_online_Kyiv_2021Q2.pptx
@@ -118,6 +118,11 @@
       </a:defRPr>
     </a:lvl9pPr>
   </p:defaultTextStyle>
+  <p:extLst>
+    <p:ext uri="{EFAFB233-063F-42B5-8137-9DF3F51BA10A}">
+      <p15:sldGuideLst xmlns:p15="http://schemas.microsoft.com/office/powerpoint/2012/main"/>
+    </p:ext>
+  </p:extLst>
 </p:presentation>
 </file>
 
@@ -12958,7 +12963,13 @@
           <a:p>
             <a:r>
               <a:rPr lang="en-US" dirty="0"/>
-              <a:t>Remove simultaneous start of both containers. Need to put timeout after start </a:t>
+              <a:t>Prevent containers from starting simultaneously, especially for Jenkins Master and Slave.</a:t>
+            </a:r>
+          </a:p>
+          <a:p>
+            <a:r>
+              <a:rPr lang="en-US" dirty="0"/>
+              <a:t>Push add Elastic Load Balancer or push the image directly to Elastic Container</a:t>
             </a:r>
           </a:p>
           <a:p>
@@ -12967,19 +12978,18 @@
             </a:pPr>
             <a:r>
               <a:rPr lang="en-US" dirty="0"/>
-              <a:t>  first  container and before second.</a:t>
+              <a:t>  Service(for better availability and </a:t>
             </a:r>
+            <a:r>
+              <a:rPr lang="en-US"/>
+              <a:t>educational purposes).</a:t>
+            </a:r>
+            <a:endParaRPr lang="en-US" dirty="0"/>
           </a:p>
           <a:p>
             <a:r>
               <a:rPr lang="en-US" dirty="0"/>
-              <a:t>Configure with terraform create AWS Auto-scaling group</a:t>
-            </a:r>
-          </a:p>
-          <a:p>
-            <a:r>
-              <a:rPr lang="en-US" dirty="0"/>
-              <a:t>Use AWS dynamic container for AWS Credentials.</a:t>
+              <a:t>Use AWS Dynamic Container for AWS Credentials.</a:t>
             </a:r>
             <a:endParaRPr lang="uk-UA" dirty="0"/>
           </a:p>
@@ -13143,7 +13153,7 @@
           <a:p>
             <a:r>
               <a:rPr lang="en-US" dirty="0"/>
-              <a:t>Portable infrastructure with automatic AWS EC2 instance creating and installing Web Server. Used tools :</a:t>
+              <a:t>Portable infrastructure with automatic AWS EC2 instance creation and installation Web Server. Used tools :</a:t>
             </a:r>
           </a:p>
           <a:p>
@@ -13376,15 +13386,7 @@
           <a:p>
             <a:r>
               <a:rPr lang="en-US" dirty="0"/>
-              <a:t>At first I </a:t>
-            </a:r>
-            <a:r>
-              <a:rPr lang="en-US" dirty="0" err="1"/>
-              <a:t>wroute</a:t>
-            </a:r>
-            <a:r>
-              <a:rPr lang="en-US" dirty="0"/>
-              <a:t> docker-</a:t>
+              <a:t>At first I wrote docker-</a:t>
             </a:r>
             <a:r>
               <a:rPr lang="en-US" dirty="0" err="1"/>
@@ -13406,19 +13408,22 @@
           <a:p>
             <a:r>
               <a:rPr lang="en-US" dirty="0"/>
-              <a:t>Using this files and installed docker I can easy run two containers with Jenkins</a:t>
+              <a:t>Using this files and installed docker I can easily run two containers with Jenkins</a:t>
             </a:r>
           </a:p>
           <a:p>
+            <a:pPr marL="0" indent="0">
+              <a:buNone/>
+            </a:pPr>
             <a:r>
               <a:rPr lang="en-US" dirty="0"/>
-              <a:t>Master in first and with Jenkins Slave in second.</a:t>
+              <a:t>   Master in first and with Jenkins Slave in second.</a:t>
             </a:r>
           </a:p>
           <a:p>
             <a:r>
               <a:rPr lang="en-US" dirty="0"/>
-              <a:t>Jenkins Master hold build on docker vault and transfer build with files from </a:t>
+              <a:t>Jenkins Master store build on docker vault and transfer build with files from </a:t>
             </a:r>
             <a:r>
               <a:rPr lang="en-US" dirty="0" err="1"/>
@@ -13438,21 +13443,13 @@
           <a:p>
             <a:r>
               <a:rPr lang="en-US" dirty="0"/>
-              <a:t>After creation EC2, public IP address of the instance copied to ansible hosts file.</a:t>
+              <a:t>After creation EC2, public IP address of the instance copied to Ansible hosts file.</a:t>
             </a:r>
           </a:p>
           <a:p>
             <a:r>
               <a:rPr lang="en-US" dirty="0"/>
-              <a:t>In the end Ansible with </a:t>
-            </a:r>
-            <a:r>
-              <a:rPr lang="en-US" dirty="0" err="1"/>
-              <a:t>taked</a:t>
-            </a:r>
-            <a:r>
-              <a:rPr lang="en-US" dirty="0"/>
-              <a:t> IP installs Web Server and upload file.</a:t>
+              <a:t>In the end Ansible with IP installs Web Server and upload file.</a:t>
             </a:r>
             <a:endParaRPr lang="uk-UA" dirty="0"/>
           </a:p>
